--- a/Aerial.pptx
+++ b/Aerial.pptx
@@ -3615,29 +3615,13 @@
           <a:p>
             <a:r>
               <a:rPr lang="en-US" dirty="0"/>
-              <a:t>GOALMISSED : </a:t>
-            </a:r>
-            <a:r>
-              <a:rPr lang="en-US" dirty="0" err="1"/>
-              <a:t>Djikstra’s</a:t>
-            </a:r>
+              <a:t>GOALMISSED : Dijkstra’s route to explore the last part of the landing zone if the landing pad was not found during the GOAL state</a:t>
+            </a:r>
+          </a:p>
+          <a:p>
             <a:r>
               <a:rPr lang="en-US" dirty="0"/>
-              <a:t> route to explore the last part of the landing zone if the landing pad was not found during the GOAL state</a:t>
-            </a:r>
-          </a:p>
-          <a:p>
-            <a:r>
-              <a:rPr lang="en-US" dirty="0"/>
-              <a:t>RETURN : </a:t>
-            </a:r>
-            <a:r>
-              <a:rPr lang="en-US" dirty="0" err="1"/>
-              <a:t>Djikstra’s</a:t>
-            </a:r>
-            <a:r>
-              <a:rPr lang="en-US" dirty="0"/>
-              <a:t> route to return to the take-off pad in the starting zone</a:t>
+              <a:t>RETURN : Dijkstra’s route to return to the take-off pad in the starting zone</a:t>
             </a:r>
           </a:p>
           <a:p>

--- a/Aerial.pptx
+++ b/Aerial.pptx
@@ -107,6 +107,11 @@
       </a:defRPr>
     </a:lvl9pPr>
   </p:defaultTextStyle>
+  <p:extLst>
+    <p:ext uri="{EFAFB233-063F-42B5-8137-9DF3F51BA10A}">
+      <p15:sldGuideLst xmlns:p15="http://schemas.microsoft.com/office/powerpoint/2012/main"/>
+    </p:ext>
+  </p:extLst>
 </p:presentation>
 </file>
 
@@ -3440,6 +3445,14 @@
 <file path=ppt/slides/slide1.xml><?xml version="1.0" encoding="utf-8"?>
 <p:sld xmlns:a="http://schemas.openxmlformats.org/drawingml/2006/main" xmlns:r="http://schemas.openxmlformats.org/officeDocument/2006/relationships" xmlns:p="http://schemas.openxmlformats.org/presentationml/2006/main">
   <p:cSld>
+    <p:bg>
+      <p:bgPr>
+        <a:solidFill>
+          <a:schemeClr val="bg1"/>
+        </a:solidFill>
+        <a:effectLst/>
+      </p:bgPr>
+    </p:bg>
     <p:spTree>
       <p:nvGrpSpPr>
         <p:cNvPr id="1" name=""/>
@@ -3456,6 +3469,179 @@
       </p:grpSpPr>
       <p:sp>
         <p:nvSpPr>
+          <p:cNvPr id="22" name="Rectangle 21">
+            <a:extLst>
+              <a:ext uri="{FF2B5EF4-FFF2-40B4-BE49-F238E27FC236}">
+                <a16:creationId xmlns:a16="http://schemas.microsoft.com/office/drawing/2014/main" id="{5D5E0904-721C-4D68-9EB8-1C9752E329A7}"/>
+              </a:ext>
+              <a:ext uri="{C183D7F6-B498-43B3-948B-1728B52AA6E4}">
+                <adec:decorative xmlns:adec="http://schemas.microsoft.com/office/drawing/2017/decorative" val="1"/>
+              </a:ext>
+            </a:extLst>
+          </p:cNvPr>
+          <p:cNvSpPr>
+            <a:spLocks noGrp="1" noRot="1" noChangeAspect="1" noMove="1" noResize="1" noEditPoints="1" noAdjustHandles="1" noChangeArrowheads="1" noChangeShapeType="1" noTextEdit="1"/>
+          </p:cNvSpPr>
+          <p:nvPr>
+            <p:extLst>
+              <p:ext uri="{386F3935-93C4-4BCD-93E2-E3B085C9AB24}">
+                <p16:designElem xmlns:p16="http://schemas.microsoft.com/office/powerpoint/2015/main" val="1"/>
+              </p:ext>
+            </p:extLst>
+          </p:nvPr>
+        </p:nvSpPr>
+        <p:spPr>
+          <a:xfrm>
+            <a:off x="0" y="0"/>
+            <a:ext cx="457200" cy="6858000"/>
+          </a:xfrm>
+          <a:prstGeom prst="rect">
+            <a:avLst/>
+          </a:prstGeom>
+          <a:solidFill>
+            <a:schemeClr val="accent1"/>
+          </a:solidFill>
+          <a:ln>
+            <a:noFill/>
+          </a:ln>
+        </p:spPr>
+        <p:style>
+          <a:lnRef idx="2">
+            <a:schemeClr val="accent1">
+              <a:shade val="50000"/>
+            </a:schemeClr>
+          </a:lnRef>
+          <a:fillRef idx="1">
+            <a:schemeClr val="accent1"/>
+          </a:fillRef>
+          <a:effectRef idx="0">
+            <a:schemeClr val="accent1"/>
+          </a:effectRef>
+          <a:fontRef idx="minor">
+            <a:schemeClr val="lt1"/>
+          </a:fontRef>
+        </p:style>
+      </p:sp>
+      <p:sp>
+        <p:nvSpPr>
+          <p:cNvPr id="24" name="Rectangle 23">
+            <a:extLst>
+              <a:ext uri="{FF2B5EF4-FFF2-40B4-BE49-F238E27FC236}">
+                <a16:creationId xmlns:a16="http://schemas.microsoft.com/office/drawing/2014/main" id="{B298ECBA-3258-45DF-8FD4-7581736BCCBC}"/>
+              </a:ext>
+              <a:ext uri="{C183D7F6-B498-43B3-948B-1728B52AA6E4}">
+                <adec:decorative xmlns:adec="http://schemas.microsoft.com/office/drawing/2017/decorative" val="1"/>
+              </a:ext>
+            </a:extLst>
+          </p:cNvPr>
+          <p:cNvSpPr>
+            <a:spLocks noGrp="1" noRot="1" noChangeAspect="1" noMove="1" noResize="1" noEditPoints="1" noAdjustHandles="1" noChangeArrowheads="1" noChangeShapeType="1" noTextEdit="1"/>
+          </p:cNvSpPr>
+          <p:nvPr>
+            <p:extLst>
+              <p:ext uri="{386F3935-93C4-4BCD-93E2-E3B085C9AB24}">
+                <p16:designElem xmlns:p16="http://schemas.microsoft.com/office/powerpoint/2015/main" val="1"/>
+              </p:ext>
+            </p:extLst>
+          </p:nvPr>
+        </p:nvSpPr>
+        <p:spPr>
+          <a:xfrm>
+            <a:off x="0" y="-3244"/>
+            <a:ext cx="457200" cy="6858000"/>
+          </a:xfrm>
+          <a:prstGeom prst="rect">
+            <a:avLst/>
+          </a:prstGeom>
+          <a:solidFill>
+            <a:srgbClr val="6F6F74"/>
+          </a:solidFill>
+          <a:ln>
+            <a:noFill/>
+          </a:ln>
+        </p:spPr>
+        <p:style>
+          <a:lnRef idx="2">
+            <a:schemeClr val="accent1">
+              <a:shade val="50000"/>
+            </a:schemeClr>
+          </a:lnRef>
+          <a:fillRef idx="1">
+            <a:schemeClr val="accent1"/>
+          </a:fillRef>
+          <a:effectRef idx="0">
+            <a:schemeClr val="accent1"/>
+          </a:effectRef>
+          <a:fontRef idx="minor">
+            <a:schemeClr val="lt1"/>
+          </a:fontRef>
+        </p:style>
+        <p:txBody>
+          <a:bodyPr rtlCol="0" anchor="ctr"/>
+          <a:lstStyle/>
+          <a:p>
+            <a:pPr algn="ctr"/>
+            <a:endParaRPr lang="en-US"/>
+          </a:p>
+        </p:txBody>
+      </p:sp>
+      <p:sp>
+        <p:nvSpPr>
+          <p:cNvPr id="26" name="Rectangle 25">
+            <a:extLst>
+              <a:ext uri="{FF2B5EF4-FFF2-40B4-BE49-F238E27FC236}">
+                <a16:creationId xmlns:a16="http://schemas.microsoft.com/office/drawing/2014/main" id="{B62BF453-BD82-4B90-9FE7-51703133806E}"/>
+              </a:ext>
+              <a:ext uri="{C183D7F6-B498-43B3-948B-1728B52AA6E4}">
+                <adec:decorative xmlns:adec="http://schemas.microsoft.com/office/drawing/2017/decorative" val="1"/>
+              </a:ext>
+            </a:extLst>
+          </p:cNvPr>
+          <p:cNvSpPr>
+            <a:spLocks noGrp="1" noRot="1" noChangeAspect="1" noMove="1" noResize="1" noEditPoints="1" noAdjustHandles="1" noChangeArrowheads="1" noChangeShapeType="1" noTextEdit="1"/>
+          </p:cNvSpPr>
+          <p:nvPr>
+            <p:extLst>
+              <p:ext uri="{386F3935-93C4-4BCD-93E2-E3B085C9AB24}">
+                <p16:designElem xmlns:p16="http://schemas.microsoft.com/office/powerpoint/2015/main" val="1"/>
+              </p:ext>
+            </p:extLst>
+          </p:nvPr>
+        </p:nvSpPr>
+        <p:spPr>
+          <a:xfrm>
+            <a:off x="457200" y="0"/>
+            <a:ext cx="10835640" cy="6858000"/>
+          </a:xfrm>
+          <a:prstGeom prst="rect">
+            <a:avLst/>
+          </a:prstGeom>
+          <a:solidFill>
+            <a:srgbClr val="353537"/>
+          </a:solidFill>
+          <a:ln>
+            <a:noFill/>
+          </a:ln>
+        </p:spPr>
+        <p:style>
+          <a:lnRef idx="2">
+            <a:schemeClr val="accent1">
+              <a:shade val="50000"/>
+            </a:schemeClr>
+          </a:lnRef>
+          <a:fillRef idx="1">
+            <a:schemeClr val="accent1"/>
+          </a:fillRef>
+          <a:effectRef idx="0">
+            <a:schemeClr val="accent1"/>
+          </a:effectRef>
+          <a:fontRef idx="minor">
+            <a:schemeClr val="lt1"/>
+          </a:fontRef>
+        </p:style>
+      </p:sp>
+      <p:sp>
+        <p:nvSpPr>
           <p:cNvPr id="4" name="Titre 3">
             <a:extLst>
               <a:ext uri="{FF2B5EF4-FFF2-40B4-BE49-F238E27FC236}">
@@ -3470,49 +3656,192 @@
             <p:ph type="title"/>
           </p:nvPr>
         </p:nvSpPr>
-        <p:spPr/>
-        <p:txBody>
-          <a:bodyPr/>
-          <a:lstStyle/>
-          <a:p>
-            <a:r>
-              <a:rPr lang="fr-CH" dirty="0" err="1"/>
-              <a:t>Environmental</a:t>
-            </a:r>
-            <a:r>
-              <a:rPr lang="fr-CH" dirty="0"/>
-              <a:t> </a:t>
-            </a:r>
-            <a:r>
-              <a:rPr lang="fr-CH" dirty="0" err="1"/>
-              <a:t>layout</a:t>
-            </a:r>
-            <a:endParaRPr lang="en-GB" dirty="0"/>
-          </a:p>
-        </p:txBody>
-      </p:sp>
-      <p:sp>
-        <p:nvSpPr>
-          <p:cNvPr id="5" name="Espace réservé du contenu 4">
+        <p:spPr>
+          <a:xfrm>
+            <a:off x="8318090" y="758952"/>
+            <a:ext cx="2802194" cy="4041648"/>
+          </a:xfrm>
+        </p:spPr>
+        <p:txBody>
+          <a:bodyPr vert="horz" lIns="91440" tIns="45720" rIns="91440" bIns="45720" rtlCol="0" anchor="b">
+            <a:normAutofit/>
+          </a:bodyPr>
+          <a:lstStyle/>
+          <a:p>
+            <a:pPr>
+              <a:lnSpc>
+                <a:spcPct val="85000"/>
+              </a:lnSpc>
+            </a:pPr>
+            <a:r>
+              <a:rPr lang="en-US" sz="2800">
+                <a:solidFill>
+                  <a:srgbClr val="FFFFFF"/>
+                </a:solidFill>
+              </a:rPr>
+              <a:t>Environmental layout</a:t>
+            </a:r>
+          </a:p>
+        </p:txBody>
+      </p:sp>
+      <p:sp useBgFill="1">
+        <p:nvSpPr>
+          <p:cNvPr id="28" name="Rectangle 27">
             <a:extLst>
               <a:ext uri="{FF2B5EF4-FFF2-40B4-BE49-F238E27FC236}">
-                <a16:creationId xmlns:a16="http://schemas.microsoft.com/office/drawing/2014/main" id="{DB2C75B9-16D5-4FD0-9A25-18F3E7E0F3D0}"/>
+                <a16:creationId xmlns:a16="http://schemas.microsoft.com/office/drawing/2014/main" id="{072366D3-9B5C-42E1-9906-77FF6BB55EAB}"/>
+              </a:ext>
+              <a:ext uri="{C183D7F6-B498-43B3-948B-1728B52AA6E4}">
+                <adec:decorative xmlns:adec="http://schemas.microsoft.com/office/drawing/2017/decorative" val="1"/>
               </a:ext>
             </a:extLst>
           </p:cNvPr>
           <p:cNvSpPr>
-            <a:spLocks noGrp="1"/>
-          </p:cNvSpPr>
+            <a:spLocks noGrp="1" noRot="1" noChangeAspect="1" noMove="1" noResize="1" noEditPoints="1" noAdjustHandles="1" noChangeArrowheads="1" noChangeShapeType="1" noTextEdit="1"/>
+          </p:cNvSpPr>
+          <p:nvPr>
+            <p:extLst>
+              <p:ext uri="{386F3935-93C4-4BCD-93E2-E3B085C9AB24}">
+                <p16:designElem xmlns:p16="http://schemas.microsoft.com/office/powerpoint/2015/main" val="1"/>
+              </p:ext>
+            </p:extLst>
+          </p:nvPr>
+        </p:nvSpPr>
+        <p:spPr>
+          <a:xfrm>
+            <a:off x="452283" y="0"/>
+            <a:ext cx="7561007" cy="6858000"/>
+          </a:xfrm>
+          <a:prstGeom prst="rect">
+            <a:avLst/>
+          </a:prstGeom>
+          <a:ln>
+            <a:noFill/>
+          </a:ln>
+        </p:spPr>
+        <p:style>
+          <a:lnRef idx="2">
+            <a:schemeClr val="accent1">
+              <a:shade val="50000"/>
+            </a:schemeClr>
+          </a:lnRef>
+          <a:fillRef idx="1">
+            <a:schemeClr val="accent1"/>
+          </a:fillRef>
+          <a:effectRef idx="0">
+            <a:schemeClr val="accent1"/>
+          </a:effectRef>
+          <a:fontRef idx="minor">
+            <a:schemeClr val="lt1"/>
+          </a:fontRef>
+        </p:style>
+        <p:txBody>
+          <a:bodyPr rtlCol="0" anchor="ctr"/>
+          <a:lstStyle/>
+          <a:p>
+            <a:pPr algn="ctr"/>
+            <a:endParaRPr lang="en-US"/>
+          </a:p>
+        </p:txBody>
+      </p:sp>
+      <p:pic>
+        <p:nvPicPr>
+          <p:cNvPr id="3" name="Espace réservé du contenu 2" descr="Une image contenant plancher&#10;&#10;Description générée automatiquement">
+            <a:extLst>
+              <a:ext uri="{FF2B5EF4-FFF2-40B4-BE49-F238E27FC236}">
+                <a16:creationId xmlns:a16="http://schemas.microsoft.com/office/drawing/2014/main" id="{C6791F23-B226-48F5-B0F6-F4B1E8E643D3}"/>
+              </a:ext>
+            </a:extLst>
+          </p:cNvPr>
+          <p:cNvPicPr>
+            <a:picLocks noGrp="1" noChangeAspect="1"/>
+          </p:cNvPicPr>
           <p:nvPr>
             <p:ph idx="1"/>
           </p:nvPr>
-        </p:nvSpPr>
-        <p:spPr/>
-        <p:txBody>
-          <a:bodyPr/>
-          <a:lstStyle/>
-          <a:p>
-            <a:endParaRPr lang="en-GB"/>
+        </p:nvPicPr>
+        <p:blipFill>
+          <a:blip r:embed="rId2">
+            <a:extLst>
+              <a:ext uri="{28A0092B-C50C-407E-A947-70E740481C1C}">
+                <a14:useLocalDpi xmlns:a14="http://schemas.microsoft.com/office/drawing/2010/main" val="0"/>
+              </a:ext>
+            </a:extLst>
+          </a:blip>
+          <a:stretch>
+            <a:fillRect/>
+          </a:stretch>
+        </p:blipFill>
+        <p:spPr>
+          <a:xfrm>
+            <a:off x="924375" y="944447"/>
+            <a:ext cx="6616823" cy="4962617"/>
+          </a:xfrm>
+          <a:prstGeom prst="rect">
+            <a:avLst/>
+          </a:prstGeom>
+        </p:spPr>
+      </p:pic>
+      <p:sp>
+        <p:nvSpPr>
+          <p:cNvPr id="30" name="Rectangle 29">
+            <a:extLst>
+              <a:ext uri="{FF2B5EF4-FFF2-40B4-BE49-F238E27FC236}">
+                <a16:creationId xmlns:a16="http://schemas.microsoft.com/office/drawing/2014/main" id="{121F5E60-4E89-4B16-A245-12BD9935998D}"/>
+              </a:ext>
+              <a:ext uri="{C183D7F6-B498-43B3-948B-1728B52AA6E4}">
+                <adec:decorative xmlns:adec="http://schemas.microsoft.com/office/drawing/2017/decorative" val="1"/>
+              </a:ext>
+            </a:extLst>
+          </p:cNvPr>
+          <p:cNvSpPr>
+            <a:spLocks noGrp="1" noRot="1" noChangeAspect="1" noMove="1" noResize="1" noEditPoints="1" noAdjustHandles="1" noChangeArrowheads="1" noChangeShapeType="1" noTextEdit="1"/>
+          </p:cNvSpPr>
+          <p:nvPr>
+            <p:extLst>
+              <p:ext uri="{386F3935-93C4-4BCD-93E2-E3B085C9AB24}">
+                <p16:designElem xmlns:p16="http://schemas.microsoft.com/office/powerpoint/2015/main" val="1"/>
+              </p:ext>
+            </p:extLst>
+          </p:nvPr>
+        </p:nvSpPr>
+        <p:spPr>
+          <a:xfrm>
+            <a:off x="11292840" y="0"/>
+            <a:ext cx="899160" cy="6858000"/>
+          </a:xfrm>
+          <a:prstGeom prst="rect">
+            <a:avLst/>
+          </a:prstGeom>
+          <a:solidFill>
+            <a:srgbClr val="353537"/>
+          </a:solidFill>
+          <a:ln>
+            <a:noFill/>
+          </a:ln>
+        </p:spPr>
+        <p:style>
+          <a:lnRef idx="2">
+            <a:schemeClr val="accent1">
+              <a:shade val="50000"/>
+            </a:schemeClr>
+          </a:lnRef>
+          <a:fillRef idx="1">
+            <a:schemeClr val="accent1"/>
+          </a:fillRef>
+          <a:effectRef idx="0">
+            <a:schemeClr val="accent1"/>
+          </a:effectRef>
+          <a:fontRef idx="minor">
+            <a:schemeClr val="lt1"/>
+          </a:fontRef>
+        </p:style>
+        <p:txBody>
+          <a:bodyPr rtlCol="0" anchor="ctr"/>
+          <a:lstStyle/>
+          <a:p>
+            <a:pPr algn="ctr"/>
+            <a:endParaRPr lang="en-US"/>
           </a:p>
         </p:txBody>
       </p:sp>
@@ -3690,10 +4019,9 @@
           <a:lstStyle/>
           <a:p>
             <a:r>
-              <a:rPr lang="fr-CH" dirty="0" err="1"/>
+              <a:rPr lang="en-US"/>
               <a:t>Result</a:t>
             </a:r>
-            <a:endParaRPr lang="en-GB" dirty="0"/>
           </a:p>
         </p:txBody>
       </p:sp>
@@ -3721,7 +4049,57 @@
             <a:pPr marL="0" indent="0">
               <a:buNone/>
             </a:pPr>
-            <a:endParaRPr lang="en-GB" dirty="0"/>
+            <a:r>
+              <a:rPr lang="en-US" dirty="0"/>
+              <a:t>The multi-ranger doesn’t always detect the obstacles when they are the side on the drone</a:t>
+            </a:r>
+          </a:p>
+          <a:p>
+            <a:pPr marL="0" indent="0">
+              <a:buNone/>
+            </a:pPr>
+            <a:r>
+              <a:rPr lang="en-US" dirty="0"/>
+              <a:t>Our algorithm to land shows some problems when detecting the border of the landing pad</a:t>
+            </a:r>
+          </a:p>
+          <a:p>
+            <a:pPr marL="0" indent="0">
+              <a:buNone/>
+            </a:pPr>
+            <a:r>
+              <a:rPr lang="en-US" dirty="0"/>
+              <a:t>A lot of experiments were ruined by unexpected behavior from the drone</a:t>
+            </a:r>
+          </a:p>
+          <a:p>
+            <a:pPr marL="0" indent="0">
+              <a:buNone/>
+            </a:pPr>
+            <a:r>
+              <a:rPr lang="en-US" dirty="0"/>
+              <a:t>The project switches from simple, not too computationally heavy algorithm (advance, goal, …) to more complex one if necessary (</a:t>
+            </a:r>
+            <a:r>
+              <a:rPr lang="en-US" dirty="0" err="1"/>
+              <a:t>goalmissed</a:t>
+            </a:r>
+            <a:r>
+              <a:rPr lang="en-US" dirty="0"/>
+              <a:t>, return, …)</a:t>
+            </a:r>
+          </a:p>
+          <a:p>
+            <a:pPr marL="0" indent="0">
+              <a:buNone/>
+            </a:pPr>
+            <a:endParaRPr lang="en-US" dirty="0"/>
+          </a:p>
+          <a:p>
+            <a:pPr marL="0" indent="0">
+              <a:buNone/>
+            </a:pPr>
+            <a:endParaRPr lang="en-US" dirty="0"/>
           </a:p>
         </p:txBody>
       </p:sp>

--- a/Aerial.pptx
+++ b/Aerial.pptx
@@ -4019,7 +4019,7 @@
           <a:lstStyle/>
           <a:p>
             <a:r>
-              <a:rPr lang="en-US"/>
+              <a:rPr lang="en-US" dirty="0"/>
               <a:t>Result</a:t>
             </a:r>
           </a:p>
@@ -4088,12 +4088,6 @@
               <a:rPr lang="en-US" dirty="0"/>
               <a:t>, return, …)</a:t>
             </a:r>
-          </a:p>
-          <a:p>
-            <a:pPr marL="0" indent="0">
-              <a:buNone/>
-            </a:pPr>
-            <a:endParaRPr lang="en-US" dirty="0"/>
           </a:p>
           <a:p>
             <a:pPr marL="0" indent="0">
